--- a/입문자를 위한 ChatGPT 및 API 활용 서비스 제작 실무_20250530.pptx
+++ b/입문자를 위한 ChatGPT 및 API 활용 서비스 제작 실무_20250530.pptx
@@ -286,7 +286,7 @@
           <a:p>
             <a:fld id="{89949B0F-9A14-4719-A683-BB2A63043462}" type="datetimeFigureOut">
               <a:rPr lang="ko-KR" altLang="en-US" smtClean="0"/>
-              <a:t>2025-05-29</a:t>
+              <a:t>2025-06-02</a:t>
             </a:fld>
             <a:endParaRPr lang="ko-KR" altLang="en-US"/>
           </a:p>
@@ -451,7 +451,7 @@
           <a:p>
             <a:fld id="{75EAC849-6AC7-4011-B1DC-4095543471E6}" type="datetimeFigureOut">
               <a:rPr lang="ko-KR" altLang="en-US" smtClean="0"/>
-              <a:t>2025-05-29</a:t>
+              <a:t>2025-06-02</a:t>
             </a:fld>
             <a:endParaRPr lang="ko-KR" altLang="en-US"/>
           </a:p>
@@ -4062,7 +4062,7 @@
               <a:pPr>
                 <a:defRPr/>
               </a:pPr>
-              <a:t>2025-05-29</a:t>
+              <a:t>2025-06-02</a:t>
             </a:fld>
             <a:endParaRPr lang="ko-KR" altLang="en-US" dirty="0">
               <a:solidFill>
@@ -4301,7 +4301,7 @@
               <a:pPr>
                 <a:defRPr/>
               </a:pPr>
-              <a:t>2025-05-29</a:t>
+              <a:t>2025-06-02</a:t>
             </a:fld>
             <a:endParaRPr lang="ko-KR" altLang="en-US" dirty="0">
               <a:solidFill>
@@ -4558,7 +4558,7 @@
               <a:pPr>
                 <a:defRPr/>
               </a:pPr>
-              <a:t>2025-05-29</a:t>
+              <a:t>2025-06-02</a:t>
             </a:fld>
             <a:endParaRPr lang="ko-KR" altLang="en-US" dirty="0">
               <a:solidFill>
@@ -4855,7 +4855,7 @@
               <a:pPr>
                 <a:defRPr/>
               </a:pPr>
-              <a:t>2025-05-29</a:t>
+              <a:t>2025-06-02</a:t>
             </a:fld>
             <a:endParaRPr lang="ko-KR" altLang="en-US" dirty="0">
               <a:solidFill>
@@ -5286,7 +5286,7 @@
               <a:pPr>
                 <a:defRPr/>
               </a:pPr>
-              <a:t>2025-05-29</a:t>
+              <a:t>2025-06-02</a:t>
             </a:fld>
             <a:endParaRPr lang="ko-KR" altLang="en-US" dirty="0">
               <a:solidFill>
@@ -5415,7 +5415,7 @@
               <a:pPr>
                 <a:defRPr/>
               </a:pPr>
-              <a:t>2025-05-29</a:t>
+              <a:t>2025-06-02</a:t>
             </a:fld>
             <a:endParaRPr lang="ko-KR" altLang="en-US" dirty="0">
               <a:solidFill>
@@ -5730,7 +5730,7 @@
               <a:pPr>
                 <a:defRPr/>
               </a:pPr>
-              <a:t>2025-05-29</a:t>
+              <a:t>2025-06-02</a:t>
             </a:fld>
             <a:endParaRPr lang="ko-KR" altLang="en-US" dirty="0">
               <a:solidFill>
@@ -6996,6 +6996,29 @@
           <a:lstStyle/>
           <a:p>
             <a:r>
+              <a:rPr lang="ko-KR" altLang="en-US" sz="1800" dirty="0"/>
+              <a:t>구글</a:t>
+            </a:r>
+            <a:r>
+              <a:rPr lang="en-US" altLang="ko-KR" sz="1800" dirty="0"/>
+              <a:t>Docs : </a:t>
+            </a:r>
+            <a:r>
+              <a:rPr lang="en-US" altLang="ko-KR" sz="1800" dirty="0">
+                <a:sym typeface="Wingdings" panose="05000000000000000000" pitchFamily="2" charset="2"/>
+                <a:hlinkClick r:id="rId2"/>
+              </a:rPr>
+              <a:t>http://bit.ly/4dOQxX2</a:t>
+            </a:r>
+            <a:endParaRPr lang="en-US" altLang="ko-KR" sz="1800" dirty="0">
+              <a:sym typeface="Wingdings" panose="05000000000000000000" pitchFamily="2" charset="2"/>
+            </a:endParaRPr>
+          </a:p>
+          <a:p>
+            <a:endParaRPr lang="en-US" altLang="ko-KR" sz="1800" dirty="0"/>
+          </a:p>
+          <a:p>
+            <a:r>
               <a:rPr lang="en-US" altLang="ko-KR" sz="1800" dirty="0"/>
               <a:t>1)</a:t>
             </a:r>
@@ -7081,10 +7104,10 @@
             </a:r>
           </a:p>
           <a:p>
-            <a:endParaRPr lang="en-US" altLang="ko-KR" sz="1800" dirty="0"/>
-          </a:p>
-          <a:p>
-            <a:endParaRPr lang="en-US" altLang="ko-KR" sz="1800" dirty="0"/>
+            <a:r>
+              <a:rPr lang="en-US" altLang="ko-KR" sz="1800" dirty="0"/>
+              <a:t> </a:t>
+            </a:r>
           </a:p>
           <a:p>
             <a:r>
